--- a/lectures/11-14-Ambient-Occlusion.pptx
+++ b/lectures/11-14-Ambient-Occlusion.pptx
@@ -1120,9 +1120,31 @@
           <a:lstStyle/>
           <a:p>
             <a:r>
-              <a:rPr lang="en-US"/>
-              <a:t>Ambient light:  no direction - casts softest shadows</a:t>
-            </a:r>
+              <a:rPr lang="en-US" dirty="0"/>
+              <a:t>Ambient </a:t>
+            </a:r>
+            <a:r>
+              <a:rPr lang="en-US" dirty="0" smtClean="0"/>
+              <a:t>light - casts </a:t>
+            </a:r>
+            <a:r>
+              <a:rPr lang="en-US" dirty="0"/>
+              <a:t>softest </a:t>
+            </a:r>
+            <a:r>
+              <a:rPr lang="en-US" dirty="0" smtClean="0"/>
+              <a:t>shadows</a:t>
+            </a:r>
+          </a:p>
+          <a:p>
+            <a:endParaRPr lang="en-US" dirty="0" smtClean="0"/>
+          </a:p>
+          <a:p>
+            <a:r>
+              <a:rPr lang="en-US" dirty="0" smtClean="0"/>
+              <a:t>Does not depend on light direction so it can be pre-computed for static objects</a:t>
+            </a:r>
+            <a:endParaRPr lang="en-US" dirty="0"/>
           </a:p>
         </p:txBody>
       </p:sp>
@@ -1458,7 +1480,94 @@
           <a:bodyPr/>
           <a:lstStyle/>
           <a:p>
-            <a:endParaRPr lang="en-US"/>
+            <a:pPr marL="0" marR="0" indent="0" algn="l" defTabSz="914400" rtl="0" eaLnBrk="1" fontAlgn="base" latinLnBrk="0" hangingPunct="1">
+              <a:lnSpc>
+                <a:spcPct val="100000"/>
+              </a:lnSpc>
+              <a:spcBef>
+                <a:spcPct val="30000"/>
+              </a:spcBef>
+              <a:spcAft>
+                <a:spcPct val="0"/>
+              </a:spcAft>
+              <a:buClrTx/>
+              <a:buSzTx/>
+              <a:buFontTx/>
+              <a:buNone/>
+              <a:tabLst/>
+              <a:defRPr/>
+            </a:pPr>
+            <a:r>
+              <a:rPr lang="en-US" dirty="0" err="1" smtClean="0"/>
+              <a:t>Crytek</a:t>
+            </a:r>
+            <a:r>
+              <a:rPr lang="en-US" dirty="0" smtClean="0"/>
+              <a:t> - </a:t>
+            </a:r>
+            <a:r>
+              <a:rPr lang="en-US" dirty="0" err="1" smtClean="0"/>
+              <a:t>Crysis</a:t>
+            </a:r>
+            <a:endParaRPr lang="en-US" dirty="0" smtClean="0"/>
+          </a:p>
+          <a:p>
+            <a:endParaRPr lang="en-US" dirty="0" smtClean="0"/>
+          </a:p>
+          <a:p>
+            <a:r>
+              <a:rPr lang="en-US" dirty="0" smtClean="0"/>
+              <a:t>Points distributed in a sphere around each</a:t>
+            </a:r>
+            <a:r>
+              <a:rPr lang="en-US" baseline="0" dirty="0" smtClean="0"/>
+              <a:t> fragment.  AO is how many samples are in front of depth buffer.</a:t>
+            </a:r>
+          </a:p>
+          <a:p>
+            <a:endParaRPr lang="en-US" baseline="0" dirty="0" smtClean="0"/>
+          </a:p>
+          <a:p>
+            <a:r>
+              <a:rPr lang="en-US" baseline="0" dirty="0" smtClean="0"/>
+              <a:t>Weight samples based on distance to fragment (similar to offline </a:t>
+            </a:r>
+            <a:r>
+              <a:rPr lang="en-US" baseline="0" dirty="0" err="1" smtClean="0"/>
+              <a:t>obsurance</a:t>
+            </a:r>
+            <a:r>
+              <a:rPr lang="en-US" baseline="0" dirty="0" smtClean="0"/>
+              <a:t> factor; not cos weighted)</a:t>
+            </a:r>
+          </a:p>
+          <a:p>
+            <a:endParaRPr lang="en-US" baseline="0" dirty="0" smtClean="0"/>
+          </a:p>
+          <a:p>
+            <a:r>
+              <a:rPr lang="en-US" baseline="0" dirty="0" smtClean="0"/>
+              <a:t>Physically incorrect, but visually pleasing.  Flat areas will have AO since whole sphere is used, not just hemisphere.</a:t>
+            </a:r>
+          </a:p>
+          <a:p>
+            <a:endParaRPr lang="en-US" baseline="0" dirty="0" smtClean="0"/>
+          </a:p>
+          <a:p>
+            <a:r>
+              <a:rPr lang="en-US" baseline="0" dirty="0" smtClean="0"/>
+              <a:t>How many samples?  200 for quality?  16 for performance?</a:t>
+            </a:r>
+          </a:p>
+          <a:p>
+            <a:endParaRPr lang="en-US" baseline="0" dirty="0" smtClean="0"/>
+          </a:p>
+          <a:p>
+            <a:r>
+              <a:rPr lang="en-US" baseline="0" dirty="0" smtClean="0"/>
+              <a:t>Convert banding artifacts into high frequency noise by varying sample for each pixel in a 4x4 block.  Remove noise with a 4x4 blur pass.</a:t>
+            </a:r>
+            <a:endParaRPr lang="en-US" dirty="0"/>
           </a:p>
         </p:txBody>
       </p:sp>
@@ -1542,7 +1651,7 @@
           <a:bodyPr/>
           <a:lstStyle/>
           <a:p>
-            <a:endParaRPr lang="en-US"/>
+            <a:endParaRPr lang="en-US" dirty="0"/>
           </a:p>
         </p:txBody>
       </p:sp>
@@ -1971,7 +2080,19 @@
           <a:bodyPr/>
           <a:lstStyle/>
           <a:p>
-            <a:endParaRPr lang="en-US"/>
+            <a:r>
+              <a:rPr lang="en-US" dirty="0" smtClean="0"/>
+              <a:t>AO is darker than GI because generally it does not account for </a:t>
+            </a:r>
+            <a:r>
+              <a:rPr lang="en-US" dirty="0" err="1" smtClean="0"/>
+              <a:t>interreflections</a:t>
+            </a:r>
+            <a:r>
+              <a:rPr lang="en-US" dirty="0" smtClean="0"/>
+              <a:t>.</a:t>
+            </a:r>
+            <a:endParaRPr lang="en-US" dirty="0"/>
           </a:p>
         </p:txBody>
       </p:sp>
@@ -2223,7 +2344,23 @@
           <a:bodyPr/>
           <a:lstStyle/>
           <a:p>
-            <a:endParaRPr lang="en-US"/>
+            <a:r>
+              <a:rPr lang="en-US" dirty="0" smtClean="0"/>
+              <a:t>On the right, the bent normal is cosine-weighted</a:t>
+            </a:r>
+            <a:r>
+              <a:rPr lang="en-US" baseline="0" dirty="0" smtClean="0"/>
+              <a:t> average of </a:t>
+            </a:r>
+            <a:r>
+              <a:rPr lang="en-US" baseline="0" dirty="0" err="1" smtClean="0"/>
+              <a:t>unoccluded</a:t>
+            </a:r>
+            <a:r>
+              <a:rPr lang="en-US" baseline="0" dirty="0" smtClean="0"/>
+              <a:t> rays, can be used for direct lighting or looking up into irradiance environment maps.</a:t>
+            </a:r>
+            <a:endParaRPr lang="en-US" dirty="0"/>
           </a:p>
         </p:txBody>
       </p:sp>
